--- a/slides/Chapter 5 - Pingo - PHP Basics - Files - Date Time.pptx
+++ b/slides/Chapter 5 - Pingo - PHP Basics - Files - Date Time.pptx
@@ -167,6 +167,22 @@
       </a:defRPr>
     </a:lvl9pPr>
   </p:defaultTextStyle>
+  <p:extLst>
+    <p:ext uri="{EFAFB233-063F-42B5-8137-9DF3F51BA10A}">
+      <p15:sldGuideLst xmlns:p15="http://schemas.microsoft.com/office/powerpoint/2012/main">
+        <p15:guide id="1" orient="horz" pos="2160">
+          <p15:clr>
+            <a:srgbClr val="A4A3A4"/>
+          </p15:clr>
+        </p15:guide>
+        <p15:guide id="2" pos="2880">
+          <p15:clr>
+            <a:srgbClr val="A4A3A4"/>
+          </p15:clr>
+        </p15:guide>
+      </p15:sldGuideLst>
+    </p:ext>
+  </p:extLst>
 </p:presentation>
 </file>
 
@@ -261,7 +277,7 @@
               <a:pPr>
                 <a:defRPr/>
               </a:pPr>
-              <a:t>7/29/14</a:t>
+              <a:t>10/15/2015</a:t>
             </a:fld>
             <a:endParaRPr lang="en-US"/>
           </a:p>
@@ -9146,68 +9162,8 @@
                 <a:ea typeface="+mj-ea"/>
                 <a:cs typeface="+mj-cs"/>
               </a:rPr>
-              <a:t>PHP Basics </a:t>
-            </a:r>
-            <a:r>
-              <a:rPr kumimoji="0" lang="en-US" sz="4400" b="0" i="0" u="none" strike="noStrike" kern="0" cap="none" spc="0" normalizeH="0" baseline="0" noProof="0" dirty="0" smtClean="0">
-                <a:ln>
-                  <a:noFill/>
-                </a:ln>
-                <a:solidFill>
-                  <a:schemeClr val="tx2"/>
-                </a:solidFill>
-                <a:effectLst>
-                  <a:outerShdw blurRad="38100" dist="38100" dir="2700000" algn="tl">
-                    <a:srgbClr val="FFFFFF"/>
-                  </a:outerShdw>
-                </a:effectLst>
-                <a:uLnTx/>
-                <a:uFillTx/>
-                <a:latin typeface="+mj-lt"/>
-                <a:ea typeface="+mj-ea"/>
-                <a:cs typeface="+mj-cs"/>
-              </a:rPr>
-              <a:t>– Files – </a:t>
-            </a:r>
-            <a:r>
-              <a:rPr kumimoji="0" lang="en-US" sz="4400" b="0" i="0" u="none" strike="noStrike" kern="0" cap="none" spc="0" normalizeH="0" baseline="0" noProof="0" dirty="0" smtClean="0">
-                <a:ln>
-                  <a:noFill/>
-                </a:ln>
-                <a:solidFill>
-                  <a:schemeClr val="tx2"/>
-                </a:solidFill>
-                <a:effectLst>
-                  <a:outerShdw blurRad="38100" dist="38100" dir="2700000" algn="tl">
-                    <a:srgbClr val="FFFFFF"/>
-                  </a:outerShdw>
-                </a:effectLst>
-                <a:uLnTx/>
-                <a:uFillTx/>
-                <a:latin typeface="+mj-lt"/>
-                <a:ea typeface="+mj-ea"/>
-                <a:cs typeface="+mj-cs"/>
-              </a:rPr>
-              <a:t>Date Time</a:t>
-            </a:r>
-            <a:endParaRPr kumimoji="0" lang="en-US" sz="4400" b="0" i="0" u="none" strike="noStrike" kern="0" cap="none" spc="0" normalizeH="0" baseline="0" noProof="0" dirty="0" smtClean="0">
-              <a:ln>
-                <a:noFill/>
-              </a:ln>
-              <a:solidFill>
-                <a:schemeClr val="tx2"/>
-              </a:solidFill>
-              <a:effectLst>
-                <a:outerShdw blurRad="38100" dist="38100" dir="2700000" algn="tl">
-                  <a:srgbClr val="FFFFFF"/>
-                </a:outerShdw>
-              </a:effectLst>
-              <a:uLnTx/>
-              <a:uFillTx/>
-              <a:latin typeface="+mj-lt"/>
-              <a:ea typeface="+mj-ea"/>
-              <a:cs typeface="+mj-cs"/>
-            </a:endParaRPr>
+              <a:t>PHP Basics – Files – Date Time</a:t>
+            </a:r>
           </a:p>
         </p:txBody>
       </p:sp>
@@ -9821,7 +9777,7 @@
   <p:timing>
     <p:tnLst>
       <p:par>
-        <p:cTn xmlns:p14="http://schemas.microsoft.com/office/powerpoint/2010/main" id="1" dur="indefinite" restart="never" nodeType="tmRoot"/>
+        <p:cTn id="1" dur="indefinite" restart="never" nodeType="tmRoot"/>
       </p:par>
     </p:tnLst>
   </p:timing>
@@ -11416,6 +11372,13 @@
   <p:clrMapOvr>
     <a:masterClrMapping/>
   </p:clrMapOvr>
+  <p:timing>
+    <p:tnLst>
+      <p:par>
+        <p:cTn id="1" dur="indefinite" restart="never" nodeType="tmRoot"/>
+      </p:par>
+    </p:tnLst>
+  </p:timing>
 </p:sld>
 </file>
 
@@ -11953,7 +11916,7 @@
         </p:nvGraphicFramePr>
         <p:xfrm>
           <a:off x="457200" y="1890891"/>
-          <a:ext cx="8229600" cy="2011679"/>
+          <a:ext cx="8229600" cy="2011680"/>
         </p:xfrm>
         <a:graphic>
           <a:graphicData uri="http://schemas.openxmlformats.org/drawingml/2006/table">
@@ -13458,7 +13421,7 @@
   <p:timing>
     <p:tnLst>
       <p:par>
-        <p:cTn xmlns:p14="http://schemas.microsoft.com/office/powerpoint/2010/main" id="1" dur="indefinite" restart="never" nodeType="tmRoot"/>
+        <p:cTn id="1" dur="indefinite" restart="never" nodeType="tmRoot"/>
       </p:par>
     </p:tnLst>
   </p:timing>
@@ -13555,7 +13518,7 @@
   <p:timing>
     <p:tnLst>
       <p:par>
-        <p:cTn xmlns:p14="http://schemas.microsoft.com/office/powerpoint/2010/main" id="1" dur="indefinite" restart="never" nodeType="tmRoot"/>
+        <p:cTn id="1" dur="indefinite" restart="never" nodeType="tmRoot"/>
       </p:par>
     </p:tnLst>
   </p:timing>
@@ -14435,7 +14398,7 @@
   <p:timing>
     <p:tnLst>
       <p:par>
-        <p:cTn xmlns:p14="http://schemas.microsoft.com/office/powerpoint/2010/main" id="1" dur="indefinite" restart="never" nodeType="tmRoot"/>
+        <p:cTn id="1" dur="indefinite" restart="never" nodeType="tmRoot"/>
       </p:par>
     </p:tnLst>
   </p:timing>
@@ -16982,7 +16945,7 @@
         </p:nvGraphicFramePr>
         <p:xfrm>
           <a:off x="457200" y="3102890"/>
-          <a:ext cx="8229600" cy="1463039"/>
+          <a:ext cx="8229600" cy="1463040"/>
         </p:xfrm>
         <a:graphic>
           <a:graphicData uri="http://schemas.openxmlformats.org/drawingml/2006/table">
@@ -17200,7 +17163,7 @@
         </p:nvGraphicFramePr>
         <p:xfrm>
           <a:off x="1524000" y="2452665"/>
-          <a:ext cx="6096000" cy="914399"/>
+          <a:ext cx="6096000" cy="914400"/>
         </p:xfrm>
         <a:graphic>
           <a:graphicData uri="http://schemas.openxmlformats.org/drawingml/2006/table">
@@ -17591,7 +17554,7 @@
         </p:nvGraphicFramePr>
         <p:xfrm>
           <a:off x="1524000" y="5053580"/>
-          <a:ext cx="6096000" cy="914399"/>
+          <a:ext cx="6096000" cy="914400"/>
         </p:xfrm>
         <a:graphic>
           <a:graphicData uri="http://schemas.openxmlformats.org/drawingml/2006/table">
@@ -17974,11 +17937,7 @@
           <a:p>
             <a:r>
               <a:rPr lang="en-US" dirty="0" smtClean="0"/>
-              <a:t>Contents – </a:t>
-            </a:r>
-            <a:r>
-              <a:rPr lang="en-US" dirty="0" smtClean="0"/>
-              <a:t>Files</a:t>
+              <a:t>Contents – Files</a:t>
             </a:r>
             <a:endParaRPr lang="en-US" dirty="0"/>
           </a:p>
@@ -18021,41 +17980,25 @@
           <a:p>
             <a:r>
               <a:rPr lang="en-US" dirty="0" smtClean="0"/>
-              <a:t>Reading </a:t>
-            </a:r>
+              <a:t>Reading From a File</a:t>
+            </a:r>
+          </a:p>
+          <a:p>
             <a:r>
               <a:rPr lang="en-US" dirty="0" smtClean="0"/>
-              <a:t>From a File</a:t>
+              <a:t>Writing to File</a:t>
             </a:r>
           </a:p>
           <a:p>
             <a:r>
               <a:rPr lang="en-US" dirty="0" smtClean="0"/>
-              <a:t>Writing </a:t>
-            </a:r>
+              <a:t>Removing File</a:t>
+            </a:r>
+          </a:p>
+          <a:p>
             <a:r>
               <a:rPr lang="en-US" dirty="0" smtClean="0"/>
-              <a:t>to File</a:t>
-            </a:r>
-          </a:p>
-          <a:p>
-            <a:r>
-              <a:rPr lang="en-US" dirty="0" smtClean="0"/>
-              <a:t>Removing </a:t>
-            </a:r>
-            <a:r>
-              <a:rPr lang="en-US" dirty="0" smtClean="0"/>
-              <a:t>File</a:t>
-            </a:r>
-          </a:p>
-          <a:p>
-            <a:r>
-              <a:rPr lang="en-US" dirty="0" smtClean="0"/>
-              <a:t>Appending </a:t>
-            </a:r>
-            <a:r>
-              <a:rPr lang="en-US" dirty="0" smtClean="0"/>
-              <a:t>Data</a:t>
+              <a:t>Appending Data</a:t>
             </a:r>
           </a:p>
           <a:p>
@@ -18082,7 +18025,7 @@
   <p:timing>
     <p:tnLst>
       <p:par>
-        <p:cTn xmlns:p14="http://schemas.microsoft.com/office/powerpoint/2010/main" id="1" dur="indefinite" restart="never" nodeType="tmRoot"/>
+        <p:cTn id="1" dur="indefinite" restart="never" nodeType="tmRoot"/>
       </p:par>
     </p:tnLst>
   </p:timing>
@@ -19299,6 +19242,13 @@
   <p:clrMapOvr>
     <a:masterClrMapping/>
   </p:clrMapOvr>
+  <p:timing>
+    <p:tnLst>
+      <p:par>
+        <p:cTn id="1" dur="indefinite" restart="never" nodeType="tmRoot"/>
+      </p:par>
+    </p:tnLst>
+  </p:timing>
 </p:sld>
 </file>
 
@@ -19412,6 +19362,13 @@
   <p:clrMapOvr>
     <a:masterClrMapping/>
   </p:clrMapOvr>
+  <p:timing>
+    <p:tnLst>
+      <p:par>
+        <p:cTn id="1" dur="indefinite" restart="never" nodeType="tmRoot"/>
+      </p:par>
+    </p:tnLst>
+  </p:timing>
 </p:sld>
 </file>
 
@@ -19495,6 +19452,13 @@
   <p:clrMapOvr>
     <a:masterClrMapping/>
   </p:clrMapOvr>
+  <p:timing>
+    <p:tnLst>
+      <p:par>
+        <p:cTn id="1" dur="indefinite" restart="never" nodeType="tmRoot"/>
+      </p:par>
+    </p:tnLst>
+  </p:timing>
 </p:sld>
 </file>
 
@@ -19621,6 +19585,13 @@
   <p:clrMapOvr>
     <a:masterClrMapping/>
   </p:clrMapOvr>
+  <p:timing>
+    <p:tnLst>
+      <p:par>
+        <p:cTn id="1" dur="indefinite" restart="never" nodeType="tmRoot"/>
+      </p:par>
+    </p:tnLst>
+  </p:timing>
 </p:sld>
 </file>
 
@@ -19758,6 +19729,13 @@
   <p:clrMapOvr>
     <a:masterClrMapping/>
   </p:clrMapOvr>
+  <p:timing>
+    <p:tnLst>
+      <p:par>
+        <p:cTn id="1" dur="indefinite" restart="never" nodeType="tmRoot"/>
+      </p:par>
+    </p:tnLst>
+  </p:timing>
 </p:sld>
 </file>
 
@@ -19795,11 +19773,7 @@
           <a:p>
             <a:r>
               <a:rPr lang="en-US" dirty="0" smtClean="0"/>
-              <a:t>date() – </a:t>
-            </a:r>
-            <a:r>
-              <a:rPr lang="en-US" dirty="0" smtClean="0"/>
-              <a:t>when</a:t>
+              <a:t>date() – when</a:t>
             </a:r>
             <a:endParaRPr lang="en-US" dirty="0"/>
           </a:p>
@@ -20567,6 +20541,13 @@
   <p:clrMapOvr>
     <a:masterClrMapping/>
   </p:clrMapOvr>
+  <p:timing>
+    <p:tnLst>
+      <p:par>
+        <p:cTn id="1" dur="indefinite" restart="never" nodeType="tmRoot"/>
+      </p:par>
+    </p:tnLst>
+  </p:timing>
 </p:sld>
 </file>
 
@@ -22218,6 +22199,13 @@
   <p:clrMapOvr>
     <a:masterClrMapping/>
   </p:clrMapOvr>
+  <p:timing>
+    <p:tnLst>
+      <p:par>
+        <p:cTn id="1" dur="indefinite" restart="never" nodeType="tmRoot"/>
+      </p:par>
+    </p:tnLst>
+  </p:timing>
 </p:sld>
 </file>
 
@@ -22257,7 +22245,6 @@
               <a:rPr lang="en-US" dirty="0"/>
               <a:t>Contents - Files</a:t>
             </a:r>
-            <a:endParaRPr lang="en-US" dirty="0"/>
           </a:p>
         </p:txBody>
       </p:sp>
@@ -22284,11 +22271,7 @@
           <a:p>
             <a:r>
               <a:rPr lang="en-US" dirty="0" smtClean="0"/>
-              <a:t>More </a:t>
-            </a:r>
-            <a:r>
-              <a:rPr lang="en-US" dirty="0" smtClean="0"/>
-              <a:t>File Functions</a:t>
+              <a:t>More File Functions</a:t>
             </a:r>
           </a:p>
           <a:p>
@@ -22318,7 +22301,7 @@
   <p:timing>
     <p:tnLst>
       <p:par>
-        <p:cTn xmlns:p14="http://schemas.microsoft.com/office/powerpoint/2010/main" id="1" dur="indefinite" restart="never" nodeType="tmRoot"/>
+        <p:cTn id="1" dur="indefinite" restart="never" nodeType="tmRoot"/>
       </p:par>
     </p:tnLst>
   </p:timing>
@@ -22443,7 +22426,7 @@
   <p:timing>
     <p:tnLst>
       <p:par>
-        <p:cTn xmlns:p14="http://schemas.microsoft.com/office/powerpoint/2010/main" id="1" dur="indefinite" restart="never" nodeType="tmRoot"/>
+        <p:cTn id="1" dur="indefinite" restart="never" nodeType="tmRoot"/>
       </p:par>
     </p:tnLst>
   </p:timing>
@@ -22517,7 +22500,6 @@
               <a:rPr lang="en-US" dirty="0" smtClean="0"/>
               <a:t>Introduction</a:t>
             </a:r>
-            <a:endParaRPr lang="en-US" dirty="0" smtClean="0"/>
           </a:p>
           <a:p>
             <a:r>
@@ -22531,7 +22513,6 @@
               <a:rPr lang="en-US" dirty="0" smtClean="0"/>
               <a:t>date($format, $when)</a:t>
             </a:r>
-            <a:endParaRPr lang="en-US" dirty="0" smtClean="0"/>
           </a:p>
           <a:p>
             <a:r>
@@ -22542,7 +22523,6 @@
               <a:rPr lang="en-US" dirty="0" smtClean="0"/>
               <a:t>($when)</a:t>
             </a:r>
-            <a:endParaRPr lang="en-US" dirty="0" smtClean="0"/>
           </a:p>
         </p:txBody>
       </p:sp>
@@ -22559,7 +22539,7 @@
   <p:timing>
     <p:tnLst>
       <p:par>
-        <p:cTn xmlns:p14="http://schemas.microsoft.com/office/powerpoint/2010/main" id="1" dur="indefinite" restart="never" nodeType="tmRoot"/>
+        <p:cTn id="1" dur="indefinite" restart="never" nodeType="tmRoot"/>
       </p:par>
     </p:tnLst>
   </p:timing>
@@ -22672,7 +22652,7 @@
   <p:timing>
     <p:tnLst>
       <p:par>
-        <p:cTn xmlns:p14="http://schemas.microsoft.com/office/powerpoint/2010/main" id="1" dur="indefinite" restart="never" nodeType="tmRoot"/>
+        <p:cTn id="1" dur="indefinite" restart="never" nodeType="tmRoot"/>
       </p:par>
     </p:tnLst>
   </p:timing>
@@ -23482,7 +23462,7 @@
   <p:timing>
     <p:tnLst>
       <p:par>
-        <p:cTn xmlns:p14="http://schemas.microsoft.com/office/powerpoint/2010/main" id="1" dur="indefinite" restart="never" nodeType="tmRoot"/>
+        <p:cTn id="1" dur="indefinite" restart="never" nodeType="tmRoot"/>
       </p:par>
     </p:tnLst>
   </p:timing>
@@ -23567,7 +23547,7 @@
   <p:timing>
     <p:tnLst>
       <p:par>
-        <p:cTn xmlns:p14="http://schemas.microsoft.com/office/powerpoint/2010/main" id="1" dur="indefinite" restart="never" nodeType="tmRoot"/>
+        <p:cTn id="1" dur="indefinite" restart="never" nodeType="tmRoot"/>
       </p:par>
     </p:tnLst>
   </p:timing>
@@ -23666,7 +23646,7 @@
         </p:nvGraphicFramePr>
         <p:xfrm>
           <a:off x="1524000" y="3839389"/>
-          <a:ext cx="6096000" cy="944879"/>
+          <a:ext cx="6096000" cy="944880"/>
         </p:xfrm>
         <a:graphic>
           <a:graphicData uri="http://schemas.openxmlformats.org/drawingml/2006/table">
@@ -24132,7 +24112,7 @@
   <p:timing>
     <p:tnLst>
       <p:par>
-        <p:cTn xmlns:p14="http://schemas.microsoft.com/office/powerpoint/2010/main" id="1" dur="indefinite" restart="never" nodeType="tmRoot"/>
+        <p:cTn id="1" dur="indefinite" restart="never" nodeType="tmRoot"/>
       </p:par>
     </p:tnLst>
   </p:timing>
@@ -24633,46 +24613,7 @@
                           <a:latin typeface="Courier New"/>
                           <a:cs typeface="Courier New"/>
                         </a:rPr>
-                        <a:t>while (</a:t>
-                      </a:r>
-                      <a:r>
-                        <a:rPr lang="en-US" sz="1400" b="1" cap="none" spc="0" dirty="0" smtClean="0">
-                          <a:ln w="1905"/>
-                          <a:gradFill>
-                            <a:gsLst>
-                              <a:gs pos="0">
-                                <a:schemeClr val="accent6">
-                                  <a:shade val="20000"/>
-                                  <a:satMod val="200000"/>
-                                </a:schemeClr>
-                              </a:gs>
-                              <a:gs pos="78000">
-                                <a:schemeClr val="accent6">
-                                  <a:tint val="90000"/>
-                                  <a:shade val="89000"/>
-                                  <a:satMod val="220000"/>
-                                </a:schemeClr>
-                              </a:gs>
-                              <a:gs pos="100000">
-                                <a:schemeClr val="accent6">
-                                  <a:tint val="12000"/>
-                                  <a:satMod val="255000"/>
-                                </a:schemeClr>
-                              </a:gs>
-                            </a:gsLst>
-                            <a:lin ang="5400000"/>
-                          </a:gradFill>
-                          <a:effectLst>
-                            <a:innerShdw blurRad="69850" dist="43180" dir="5400000">
-                              <a:srgbClr val="000000">
-                                <a:alpha val="65000"/>
-                              </a:srgbClr>
-                            </a:innerShdw>
-                          </a:effectLst>
-                          <a:latin typeface="Courier New"/>
-                          <a:cs typeface="Courier New"/>
-                        </a:rPr>
-                        <a:t>!</a:t>
+                        <a:t>while (!</a:t>
                       </a:r>
                       <a:r>
                         <a:rPr lang="en-US" sz="1400" b="1" cap="none" spc="0" dirty="0" err="1" smtClean="0">
@@ -24750,83 +24691,8 @@
                           <a:latin typeface="Courier New"/>
                           <a:cs typeface="Courier New"/>
                         </a:rPr>
-                        <a:t>($file)</a:t>
+                        <a:t>($file)) {</a:t>
                       </a:r>
-                      <a:r>
-                        <a:rPr lang="en-US" sz="1400" b="1" cap="none" spc="0" dirty="0" smtClean="0">
-                          <a:ln w="1905"/>
-                          <a:gradFill>
-                            <a:gsLst>
-                              <a:gs pos="0">
-                                <a:schemeClr val="accent6">
-                                  <a:shade val="20000"/>
-                                  <a:satMod val="200000"/>
-                                </a:schemeClr>
-                              </a:gs>
-                              <a:gs pos="78000">
-                                <a:schemeClr val="accent6">
-                                  <a:tint val="90000"/>
-                                  <a:shade val="89000"/>
-                                  <a:satMod val="220000"/>
-                                </a:schemeClr>
-                              </a:gs>
-                              <a:gs pos="100000">
-                                <a:schemeClr val="accent6">
-                                  <a:tint val="12000"/>
-                                  <a:satMod val="255000"/>
-                                </a:schemeClr>
-                              </a:gs>
-                            </a:gsLst>
-                            <a:lin ang="5400000"/>
-                          </a:gradFill>
-                          <a:effectLst>
-                            <a:innerShdw blurRad="69850" dist="43180" dir="5400000">
-                              <a:srgbClr val="000000">
-                                <a:alpha val="65000"/>
-                              </a:srgbClr>
-                            </a:innerShdw>
-                          </a:effectLst>
-                          <a:latin typeface="Courier New"/>
-                          <a:cs typeface="Courier New"/>
-                        </a:rPr>
-                        <a:t>) {</a:t>
-                      </a:r>
-                      <a:endParaRPr lang="en-US" sz="1400" b="1" cap="none" spc="0" dirty="0" smtClean="0">
-                        <a:ln w="1905"/>
-                        <a:gradFill>
-                          <a:gsLst>
-                            <a:gs pos="0">
-                              <a:schemeClr val="accent6">
-                                <a:shade val="20000"/>
-                                <a:satMod val="200000"/>
-                              </a:schemeClr>
-                            </a:gs>
-                            <a:gs pos="78000">
-                              <a:schemeClr val="accent6">
-                                <a:tint val="90000"/>
-                                <a:shade val="89000"/>
-                                <a:satMod val="220000"/>
-                              </a:schemeClr>
-                            </a:gs>
-                            <a:gs pos="100000">
-                              <a:schemeClr val="accent6">
-                                <a:tint val="12000"/>
-                                <a:satMod val="255000"/>
-                              </a:schemeClr>
-                            </a:gs>
-                          </a:gsLst>
-                          <a:lin ang="5400000"/>
-                        </a:gradFill>
-                        <a:effectLst>
-                          <a:innerShdw blurRad="69850" dist="43180" dir="5400000">
-                            <a:srgbClr val="000000">
-                              <a:alpha val="65000"/>
-                            </a:srgbClr>
-                          </a:innerShdw>
-                        </a:effectLst>
-                        <a:latin typeface="Courier New"/>
-                        <a:cs typeface="Courier New"/>
-                      </a:endParaRPr>
                     </a:p>
                     <a:p>
                       <a:r>
@@ -25203,7 +25069,7 @@
   <p:timing>
     <p:tnLst>
       <p:par>
-        <p:cTn xmlns:p14="http://schemas.microsoft.com/office/powerpoint/2010/main" id="1" dur="indefinite" restart="never" nodeType="tmRoot"/>
+        <p:cTn id="1" dur="indefinite" restart="never" nodeType="tmRoot"/>
       </p:par>
     </p:tnLst>
   </p:timing>
